--- a/Learn & Translatev1.pptx
+++ b/Learn & Translatev1.pptx
@@ -4230,12 +4230,6 @@
               </a:rPr>
               <a:t>Frontend developer</a:t>
             </a:r>
-            <a:endParaRPr lang="en-US" sz="2400" i="1" dirty="0" smtClean="0">
-              <a:solidFill>
-                <a:schemeClr val="bg1"/>
-              </a:solidFill>
-              <a:latin typeface="Akrobat Light" pitchFamily="50" charset="-52"/>
-            </a:endParaRPr>
           </a:p>
           <a:p>
             <a:pPr algn="ctr"/>
@@ -4500,7 +4494,7 @@
         </p:nvSpPr>
         <p:spPr>
           <a:xfrm>
-            <a:off x="3986680" y="2765124"/>
+            <a:off x="3986680" y="2785573"/>
             <a:ext cx="1242648" cy="769441"/>
           </a:xfrm>
           <a:prstGeom prst="rect">
@@ -4552,7 +4546,7 @@
         </p:blipFill>
         <p:spPr>
           <a:xfrm>
-            <a:off x="2413502" y="1778906"/>
+            <a:off x="2411760" y="1927633"/>
             <a:ext cx="4389004" cy="1141327"/>
           </a:xfrm>
           <a:prstGeom prst="rect">
@@ -5041,16 +5035,14 @@
       </p:grpSpPr>
       <p:pic>
         <p:nvPicPr>
-          <p:cNvPr id="4" name="Объект 3"/>
+          <p:cNvPr id="2" name="Рисунок 1"/>
           <p:cNvPicPr>
-            <a:picLocks noGrp="1" noChangeAspect="1"/>
+            <a:picLocks noChangeAspect="1"/>
           </p:cNvPicPr>
-          <p:nvPr>
-            <p:ph idx="1"/>
-          </p:nvPr>
+          <p:nvPr/>
         </p:nvPicPr>
         <p:blipFill>
-          <a:blip r:embed="rId2" cstate="print">
+          <a:blip r:embed="rId2">
             <a:extLst>
               <a:ext uri="{28A0092B-C50C-407E-A947-70E740481C1C}">
                 <a14:useLocalDpi xmlns:a14="http://schemas.microsoft.com/office/drawing/2010/main" val="0"/>
@@ -5063,9 +5055,12 @@
         </p:blipFill>
         <p:spPr>
           <a:xfrm>
-            <a:off x="-684584" y="-2043608"/>
-            <a:ext cx="10513168" cy="10196188"/>
-          </a:xfrm>
+            <a:off x="-665614" y="-2090878"/>
+            <a:ext cx="10585176" cy="7898989"/>
+          </a:xfrm>
+          <a:prstGeom prst="rect">
+            <a:avLst/>
+          </a:prstGeom>
         </p:spPr>
       </p:pic>
     </p:spTree>
